--- a/intrinsic image/four phase.pptx
+++ b/intrinsic image/four phase.pptx
@@ -112,6 +112,11 @@
       </a:defRPr>
     </a:lvl9pPr>
   </p:defaultTextStyle>
+  <p:extLst>
+    <p:ext uri="{EFAFB233-063F-42B5-8137-9DF3F51BA10A}">
+      <p15:sldGuideLst xmlns:p15="http://schemas.microsoft.com/office/powerpoint/2012/main"/>
+    </p:ext>
+  </p:extLst>
 </p:presentation>
 </file>
 
@@ -262,7 +267,7 @@
           <a:p>
             <a:fld id="{68E733EF-06B4-467A-8798-EECFAFC54EB7}" type="datetimeFigureOut">
               <a:rPr lang="zh-CN" altLang="en-US" smtClean="0"/>
-              <a:t>2019/4/16</a:t>
+              <a:t>2019/11/12</a:t>
             </a:fld>
             <a:endParaRPr lang="zh-CN" altLang="en-US"/>
           </a:p>
@@ -460,7 +465,7 @@
           <a:p>
             <a:fld id="{68E733EF-06B4-467A-8798-EECFAFC54EB7}" type="datetimeFigureOut">
               <a:rPr lang="zh-CN" altLang="en-US" smtClean="0"/>
-              <a:t>2019/4/16</a:t>
+              <a:t>2019/11/12</a:t>
             </a:fld>
             <a:endParaRPr lang="zh-CN" altLang="en-US"/>
           </a:p>
@@ -668,7 +673,7 @@
           <a:p>
             <a:fld id="{68E733EF-06B4-467A-8798-EECFAFC54EB7}" type="datetimeFigureOut">
               <a:rPr lang="zh-CN" altLang="en-US" smtClean="0"/>
-              <a:t>2019/4/16</a:t>
+              <a:t>2019/11/12</a:t>
             </a:fld>
             <a:endParaRPr lang="zh-CN" altLang="en-US"/>
           </a:p>
@@ -866,7 +871,7 @@
           <a:p>
             <a:fld id="{68E733EF-06B4-467A-8798-EECFAFC54EB7}" type="datetimeFigureOut">
               <a:rPr lang="zh-CN" altLang="en-US" smtClean="0"/>
-              <a:t>2019/4/16</a:t>
+              <a:t>2019/11/12</a:t>
             </a:fld>
             <a:endParaRPr lang="zh-CN" altLang="en-US"/>
           </a:p>
@@ -1141,7 +1146,7 @@
           <a:p>
             <a:fld id="{68E733EF-06B4-467A-8798-EECFAFC54EB7}" type="datetimeFigureOut">
               <a:rPr lang="zh-CN" altLang="en-US" smtClean="0"/>
-              <a:t>2019/4/16</a:t>
+              <a:t>2019/11/12</a:t>
             </a:fld>
             <a:endParaRPr lang="zh-CN" altLang="en-US"/>
           </a:p>
@@ -1406,7 +1411,7 @@
           <a:p>
             <a:fld id="{68E733EF-06B4-467A-8798-EECFAFC54EB7}" type="datetimeFigureOut">
               <a:rPr lang="zh-CN" altLang="en-US" smtClean="0"/>
-              <a:t>2019/4/16</a:t>
+              <a:t>2019/11/12</a:t>
             </a:fld>
             <a:endParaRPr lang="zh-CN" altLang="en-US"/>
           </a:p>
@@ -1818,7 +1823,7 @@
           <a:p>
             <a:fld id="{68E733EF-06B4-467A-8798-EECFAFC54EB7}" type="datetimeFigureOut">
               <a:rPr lang="zh-CN" altLang="en-US" smtClean="0"/>
-              <a:t>2019/4/16</a:t>
+              <a:t>2019/11/12</a:t>
             </a:fld>
             <a:endParaRPr lang="zh-CN" altLang="en-US"/>
           </a:p>
@@ -1959,7 +1964,7 @@
           <a:p>
             <a:fld id="{68E733EF-06B4-467A-8798-EECFAFC54EB7}" type="datetimeFigureOut">
               <a:rPr lang="zh-CN" altLang="en-US" smtClean="0"/>
-              <a:t>2019/4/16</a:t>
+              <a:t>2019/11/12</a:t>
             </a:fld>
             <a:endParaRPr lang="zh-CN" altLang="en-US"/>
           </a:p>
@@ -2072,7 +2077,7 @@
           <a:p>
             <a:fld id="{68E733EF-06B4-467A-8798-EECFAFC54EB7}" type="datetimeFigureOut">
               <a:rPr lang="zh-CN" altLang="en-US" smtClean="0"/>
-              <a:t>2019/4/16</a:t>
+              <a:t>2019/11/12</a:t>
             </a:fld>
             <a:endParaRPr lang="zh-CN" altLang="en-US"/>
           </a:p>
@@ -2383,7 +2388,7 @@
           <a:p>
             <a:fld id="{68E733EF-06B4-467A-8798-EECFAFC54EB7}" type="datetimeFigureOut">
               <a:rPr lang="zh-CN" altLang="en-US" smtClean="0"/>
-              <a:t>2019/4/16</a:t>
+              <a:t>2019/11/12</a:t>
             </a:fld>
             <a:endParaRPr lang="zh-CN" altLang="en-US"/>
           </a:p>
@@ -2671,7 +2676,7 @@
           <a:p>
             <a:fld id="{68E733EF-06B4-467A-8798-EECFAFC54EB7}" type="datetimeFigureOut">
               <a:rPr lang="zh-CN" altLang="en-US" smtClean="0"/>
-              <a:t>2019/4/16</a:t>
+              <a:t>2019/11/12</a:t>
             </a:fld>
             <a:endParaRPr lang="zh-CN" altLang="en-US"/>
           </a:p>
@@ -2912,7 +2917,7 @@
           <a:p>
             <a:fld id="{68E733EF-06B4-467A-8798-EECFAFC54EB7}" type="datetimeFigureOut">
               <a:rPr lang="zh-CN" altLang="en-US" smtClean="0"/>
-              <a:t>2019/4/16</a:t>
+              <a:t>2019/11/12</a:t>
             </a:fld>
             <a:endParaRPr lang="zh-CN" altLang="en-US"/>
           </a:p>
@@ -3351,11 +3356,18 @@
           <a:lstStyle/>
           <a:p>
             <a:r>
+              <a:rPr lang="zh-CN" altLang="en-US">
+                <a:latin typeface="楷体" panose="02010609060101010101" pitchFamily="49" charset="-122"/>
+                <a:ea typeface="楷体" panose="02010609060101010101" pitchFamily="49" charset="-122"/>
+              </a:rPr>
+              <a:t>本征图像</a:t>
+            </a:r>
+            <a:r>
               <a:rPr lang="zh-CN" altLang="en-US" dirty="0">
                 <a:latin typeface="楷体" panose="02010609060101010101" pitchFamily="49" charset="-122"/>
                 <a:ea typeface="楷体" panose="02010609060101010101" pitchFamily="49" charset="-122"/>
               </a:rPr>
-              <a:t>本质图像论文汇报（四）</a:t>
+              <a:t>论文汇报（四）</a:t>
             </a:r>
             <a:endParaRPr lang="zh-CN" altLang="en-US" dirty="0"/>
           </a:p>
